--- a/FINAL - STORY CARD.pptx
+++ b/FINAL - STORY CARD.pptx
@@ -340,7 +340,7 @@
             <a:fld id="{1585DAA5-6BE2-467A-90B2-00E985D86198}" type="datetimeFigureOut">
               <a:rPr lang="en-AU" smtClean="0"/>
               <a:pPr/>
-              <a:t>29/08/2017</a:t>
+              <a:t>30/08/2017</a:t>
             </a:fld>
             <a:endParaRPr lang="en-AU"/>
           </a:p>
@@ -507,7 +507,7 @@
             <a:fld id="{1585DAA5-6BE2-467A-90B2-00E985D86198}" type="datetimeFigureOut">
               <a:rPr lang="en-AU" smtClean="0"/>
               <a:pPr/>
-              <a:t>29/08/2017</a:t>
+              <a:t>30/08/2017</a:t>
             </a:fld>
             <a:endParaRPr lang="en-AU"/>
           </a:p>
@@ -684,7 +684,7 @@
             <a:fld id="{1585DAA5-6BE2-467A-90B2-00E985D86198}" type="datetimeFigureOut">
               <a:rPr lang="en-AU" smtClean="0"/>
               <a:pPr/>
-              <a:t>29/08/2017</a:t>
+              <a:t>30/08/2017</a:t>
             </a:fld>
             <a:endParaRPr lang="en-AU"/>
           </a:p>
@@ -851,7 +851,7 @@
             <a:fld id="{1585DAA5-6BE2-467A-90B2-00E985D86198}" type="datetimeFigureOut">
               <a:rPr lang="en-AU" smtClean="0"/>
               <a:pPr/>
-              <a:t>29/08/2017</a:t>
+              <a:t>30/08/2017</a:t>
             </a:fld>
             <a:endParaRPr lang="en-AU"/>
           </a:p>
@@ -1094,7 +1094,7 @@
             <a:fld id="{1585DAA5-6BE2-467A-90B2-00E985D86198}" type="datetimeFigureOut">
               <a:rPr lang="en-AU" smtClean="0"/>
               <a:pPr/>
-              <a:t>29/08/2017</a:t>
+              <a:t>30/08/2017</a:t>
             </a:fld>
             <a:endParaRPr lang="en-AU"/>
           </a:p>
@@ -1379,7 +1379,7 @@
             <a:fld id="{1585DAA5-6BE2-467A-90B2-00E985D86198}" type="datetimeFigureOut">
               <a:rPr lang="en-AU" smtClean="0"/>
               <a:pPr/>
-              <a:t>29/08/2017</a:t>
+              <a:t>30/08/2017</a:t>
             </a:fld>
             <a:endParaRPr lang="en-AU"/>
           </a:p>
@@ -1798,7 +1798,7 @@
             <a:fld id="{1585DAA5-6BE2-467A-90B2-00E985D86198}" type="datetimeFigureOut">
               <a:rPr lang="en-AU" smtClean="0"/>
               <a:pPr/>
-              <a:t>29/08/2017</a:t>
+              <a:t>30/08/2017</a:t>
             </a:fld>
             <a:endParaRPr lang="en-AU"/>
           </a:p>
@@ -1913,7 +1913,7 @@
             <a:fld id="{1585DAA5-6BE2-467A-90B2-00E985D86198}" type="datetimeFigureOut">
               <a:rPr lang="en-AU" smtClean="0"/>
               <a:pPr/>
-              <a:t>29/08/2017</a:t>
+              <a:t>30/08/2017</a:t>
             </a:fld>
             <a:endParaRPr lang="en-AU"/>
           </a:p>
@@ -2005,7 +2005,7 @@
             <a:fld id="{1585DAA5-6BE2-467A-90B2-00E985D86198}" type="datetimeFigureOut">
               <a:rPr lang="en-AU" smtClean="0"/>
               <a:pPr/>
-              <a:t>29/08/2017</a:t>
+              <a:t>30/08/2017</a:t>
             </a:fld>
             <a:endParaRPr lang="en-AU"/>
           </a:p>
@@ -2279,7 +2279,7 @@
             <a:fld id="{1585DAA5-6BE2-467A-90B2-00E985D86198}" type="datetimeFigureOut">
               <a:rPr lang="en-AU" smtClean="0"/>
               <a:pPr/>
-              <a:t>29/08/2017</a:t>
+              <a:t>30/08/2017</a:t>
             </a:fld>
             <a:endParaRPr lang="en-AU"/>
           </a:p>
@@ -2529,7 +2529,7 @@
             <a:fld id="{1585DAA5-6BE2-467A-90B2-00E985D86198}" type="datetimeFigureOut">
               <a:rPr lang="en-AU" smtClean="0"/>
               <a:pPr/>
-              <a:t>29/08/2017</a:t>
+              <a:t>30/08/2017</a:t>
             </a:fld>
             <a:endParaRPr lang="en-AU"/>
           </a:p>
@@ -2739,7 +2739,7 @@
             <a:fld id="{1585DAA5-6BE2-467A-90B2-00E985D86198}" type="datetimeFigureOut">
               <a:rPr lang="en-AU" smtClean="0"/>
               <a:pPr/>
-              <a:t>29/08/2017</a:t>
+              <a:t>30/08/2017</a:t>
             </a:fld>
             <a:endParaRPr lang="en-AU"/>
           </a:p>
@@ -3164,7 +3164,23 @@
             </a:pPr>
             <a:r>
               <a:rPr lang="en-US" sz="2000" dirty="0" smtClean="0"/>
-              <a:t>Users – A standard user of the Smart City system, users consist of Businessmen Tourist, Student</a:t>
+              <a:t>Users – A standard user of the Smart City </a:t>
+            </a:r>
+            <a:r>
+              <a:rPr lang="en-US" sz="2000" dirty="0" smtClean="0"/>
+              <a:t>system </a:t>
+            </a:r>
+            <a:r>
+              <a:rPr lang="en-US" sz="2000" dirty="0" smtClean="0"/>
+              <a:t>which are </a:t>
+            </a:r>
+            <a:r>
+              <a:rPr lang="en-US" sz="2000" dirty="0" smtClean="0"/>
+              <a:t>Businessmen </a:t>
+            </a:r>
+            <a:r>
+              <a:rPr lang="en-US" sz="2000" dirty="0" smtClean="0"/>
+              <a:t>Tourist, Student</a:t>
             </a:r>
           </a:p>
           <a:p>
@@ -3196,8 +3212,16 @@
               <a:buNone/>
             </a:pPr>
             <a:r>
+              <a:rPr lang="en-US" sz="2000" dirty="0"/>
+              <a:t>O</a:t>
+            </a:r>
+            <a:r>
               <a:rPr lang="en-US" sz="2000" dirty="0" smtClean="0"/>
-              <a:t>A – Optional Features</a:t>
+              <a:t> </a:t>
+            </a:r>
+            <a:r>
+              <a:rPr lang="en-US" sz="2000" dirty="0" smtClean="0"/>
+              <a:t>– Optional Features</a:t>
             </a:r>
           </a:p>
           <a:p>
@@ -4145,15 +4169,7 @@
                   <a:schemeClr val="tx1"/>
                 </a:solidFill>
               </a:rPr>
-              <a:t> Have all the privileges for manage the web </a:t>
-            </a:r>
-            <a:r>
-              <a:rPr lang="en-US" sz="2000" dirty="0" smtClean="0">
-                <a:solidFill>
-                  <a:schemeClr val="tx1"/>
-                </a:solidFill>
-              </a:rPr>
-              <a:t>site</a:t>
+              <a:t> Have all the privileges for manage the web site</a:t>
             </a:r>
           </a:p>
           <a:p>
